--- a/docs/Group5-Presentation.pptx
+++ b/docs/Group5-Presentation.pptx
@@ -19,14 +19,14 @@
   <p:notesSz cx="6858000" cy="9144000"/>
   <p:embeddedFontLst>
     <p:embeddedFont>
-      <p:font typeface="Lato" panose="020F0502020204030203" pitchFamily="34" charset="77"/>
+      <p:font typeface="Lato"/>
       <p:regular r:id="rId9"/>
       <p:bold r:id="rId9"/>
       <p:italic r:id="rId9"/>
       <p:boldItalic r:id="rId9"/>
     </p:embeddedFont>
     <p:embeddedFont>
-      <p:font typeface="Raleway" panose="020B0503030101060003" pitchFamily="34" charset="77"/>
+      <p:font typeface="Raleway"/>
       <p:regular r:id="rId9"/>
       <p:bold r:id="rId9"/>
       <p:italic r:id="rId9"/>
@@ -5207,8 +5207,8 @@
               <a:buChar char="▷"/>
             </a:pPr>
             <a:r>
-              <a:rPr lang="en-US" sz="1600" dirty="0" err="1"/>
-              <a:t>etc</a:t>
+              <a:rPr lang="en-US" sz="1600" dirty="0"/>
+              <a:t>etc..</a:t>
             </a:r>
             <a:endParaRPr sz="1600" dirty="0"/>
           </a:p>
@@ -5365,36 +5365,6 @@
           </a:p>
         </p:txBody>
       </p:sp>
-      <p:pic>
-        <p:nvPicPr>
-          <p:cNvPr id="3" name="Picture 2" descr="Hotel Management System Use Case Diagram">
-            <a:extLst>
-              <a:ext uri="{FF2B5EF4-FFF2-40B4-BE49-F238E27FC236}">
-                <a16:creationId xmlns:a16="http://schemas.microsoft.com/office/drawing/2014/main" id="{4C0351ED-0201-9B48-AA2D-2ED14979D46B}"/>
-              </a:ext>
-            </a:extLst>
-          </p:cNvPr>
-          <p:cNvPicPr>
-            <a:picLocks noChangeAspect="1"/>
-          </p:cNvPicPr>
-          <p:nvPr/>
-        </p:nvPicPr>
-        <p:blipFill>
-          <a:blip r:embed="rId3"/>
-          <a:stretch>
-            <a:fillRect/>
-          </a:stretch>
-        </p:blipFill>
-        <p:spPr>
-          <a:xfrm>
-            <a:off x="731544" y="2498620"/>
-            <a:ext cx="7680912" cy="3865557"/>
-          </a:xfrm>
-          <a:prstGeom prst="rect">
-            <a:avLst/>
-          </a:prstGeom>
-        </p:spPr>
-      </p:pic>
       <p:sp>
         <p:nvSpPr>
           <p:cNvPr id="7" name="Google Shape;125;p17">
@@ -5444,6 +5414,36 @@
           </a:p>
         </p:txBody>
       </p:sp>
+      <p:pic>
+        <p:nvPicPr>
+          <p:cNvPr id="5" name="Picture 4" descr="A close up of a device&#10;&#10;Description automatically generated">
+            <a:extLst>
+              <a:ext uri="{FF2B5EF4-FFF2-40B4-BE49-F238E27FC236}">
+                <a16:creationId xmlns:a16="http://schemas.microsoft.com/office/drawing/2014/main" id="{79F9E6AA-88E0-2C4F-A905-7D2D6CCD923E}"/>
+              </a:ext>
+            </a:extLst>
+          </p:cNvPr>
+          <p:cNvPicPr>
+            <a:picLocks noChangeAspect="1"/>
+          </p:cNvPicPr>
+          <p:nvPr/>
+        </p:nvPicPr>
+        <p:blipFill>
+          <a:blip r:embed="rId3"/>
+          <a:stretch>
+            <a:fillRect/>
+          </a:stretch>
+        </p:blipFill>
+        <p:spPr>
+          <a:xfrm>
+            <a:off x="345807" y="2745526"/>
+            <a:ext cx="8448215" cy="3127240"/>
+          </a:xfrm>
+          <a:prstGeom prst="rect">
+            <a:avLst/>
+          </a:prstGeom>
+        </p:spPr>
+      </p:pic>
     </p:spTree>
     <p:extLst>
       <p:ext uri="{BB962C8B-B14F-4D97-AF65-F5344CB8AC3E}">
@@ -5560,10 +5560,10 @@
       </p:sp>
       <p:pic>
         <p:nvPicPr>
-          <p:cNvPr id="4" name="Picture 3" descr="A screenshot of text&#10;&#10;Description automatically generated">
+          <p:cNvPr id="3" name="Picture 2" descr="A close up of text on a white surface&#10;&#10;Description automatically generated">
             <a:extLst>
               <a:ext uri="{FF2B5EF4-FFF2-40B4-BE49-F238E27FC236}">
-                <a16:creationId xmlns:a16="http://schemas.microsoft.com/office/drawing/2014/main" id="{73184837-18A9-C64C-9FFA-F66174EA677F}"/>
+                <a16:creationId xmlns:a16="http://schemas.microsoft.com/office/drawing/2014/main" id="{4996D4E4-1421-A544-A6C0-13E2D4FD494B}"/>
               </a:ext>
             </a:extLst>
           </p:cNvPr>
@@ -5580,111 +5580,14 @@
         </p:blipFill>
         <p:spPr>
           <a:xfrm>
-            <a:off x="2101785" y="1778258"/>
-            <a:ext cx="4940430" cy="4418554"/>
+            <a:off x="2035487" y="1245750"/>
+            <a:ext cx="5099409" cy="5419551"/>
           </a:xfrm>
           <a:prstGeom prst="rect">
             <a:avLst/>
           </a:prstGeom>
         </p:spPr>
       </p:pic>
-      <p:graphicFrame>
-        <p:nvGraphicFramePr>
-          <p:cNvPr id="5" name="Table 4">
-            <a:extLst>
-              <a:ext uri="{FF2B5EF4-FFF2-40B4-BE49-F238E27FC236}">
-                <a16:creationId xmlns:a16="http://schemas.microsoft.com/office/drawing/2014/main" id="{50370329-6D73-3346-BC7F-F85F9FFC105E}"/>
-              </a:ext>
-            </a:extLst>
-          </p:cNvPr>
-          <p:cNvGraphicFramePr>
-            <a:graphicFrameLocks noGrp="1"/>
-          </p:cNvGraphicFramePr>
-          <p:nvPr>
-            <p:extLst>
-              <p:ext uri="{D42A27DB-BD31-4B8C-83A1-F6EECF244321}">
-                <p14:modId xmlns:p14="http://schemas.microsoft.com/office/powerpoint/2010/main" val="62569283"/>
-              </p:ext>
-            </p:extLst>
-          </p:nvPr>
-        </p:nvGraphicFramePr>
-        <p:xfrm>
-          <a:off x="5580846" y="3238678"/>
-          <a:ext cx="1309352" cy="1112520"/>
-        </p:xfrm>
-        <a:graphic>
-          <a:graphicData uri="http://schemas.openxmlformats.org/drawingml/2006/table">
-            <a:tbl>
-              <a:tblPr firstRow="1" bandRow="1">
-                <a:tableStyleId>{21C701F0-9570-4D3F-A32E-E75E9526BAF8}</a:tableStyleId>
-              </a:tblPr>
-              <a:tblGrid>
-                <a:gridCol w="1309352">
-                  <a:extLst>
-                    <a:ext uri="{9D8B030D-6E8A-4147-A177-3AD203B41FA5}">
-                      <a16:colId xmlns:a16="http://schemas.microsoft.com/office/drawing/2014/main" val="1534112655"/>
-                    </a:ext>
-                  </a:extLst>
-                </a:gridCol>
-              </a:tblGrid>
-              <a:tr h="370840">
-                <a:tc>
-                  <a:txBody>
-                    <a:bodyPr/>
-                    <a:lstStyle/>
-                    <a:p>
-                      <a:r>
-                        <a:rPr lang="en-US" b="1" dirty="0"/>
-                        <a:t>User</a:t>
-                      </a:r>
-                    </a:p>
-                  </a:txBody>
-                  <a:tcPr/>
-                </a:tc>
-                <a:extLst>
-                  <a:ext uri="{0D108BD9-81ED-4DB2-BD59-A6C34878D82A}">
-                    <a16:rowId xmlns:a16="http://schemas.microsoft.com/office/drawing/2014/main" val="3222063369"/>
-                  </a:ext>
-                </a:extLst>
-              </a:tr>
-              <a:tr h="370840">
-                <a:tc>
-                  <a:txBody>
-                    <a:bodyPr/>
-                    <a:lstStyle/>
-                    <a:p>
-                      <a:endParaRPr lang="en-US" dirty="0"/>
-                    </a:p>
-                  </a:txBody>
-                  <a:tcPr/>
-                </a:tc>
-                <a:extLst>
-                  <a:ext uri="{0D108BD9-81ED-4DB2-BD59-A6C34878D82A}">
-                    <a16:rowId xmlns:a16="http://schemas.microsoft.com/office/drawing/2014/main" val="4218450983"/>
-                  </a:ext>
-                </a:extLst>
-              </a:tr>
-              <a:tr h="370840">
-                <a:tc>
-                  <a:txBody>
-                    <a:bodyPr/>
-                    <a:lstStyle/>
-                    <a:p>
-                      <a:endParaRPr lang="en-US" dirty="0"/>
-                    </a:p>
-                  </a:txBody>
-                  <a:tcPr/>
-                </a:tc>
-                <a:extLst>
-                  <a:ext uri="{0D108BD9-81ED-4DB2-BD59-A6C34878D82A}">
-                    <a16:rowId xmlns:a16="http://schemas.microsoft.com/office/drawing/2014/main" val="1858209067"/>
-                  </a:ext>
-                </a:extLst>
-              </a:tr>
-            </a:tbl>
-          </a:graphicData>
-        </a:graphic>
-      </p:graphicFrame>
     </p:spTree>
     <p:extLst>
       <p:ext uri="{BB962C8B-B14F-4D97-AF65-F5344CB8AC3E}">

--- a/docs/Group5-Presentation.pptx
+++ b/docs/Group5-Presentation.pptx
@@ -5130,20 +5130,7 @@
             </a:pPr>
             <a:r>
               <a:rPr lang="en-US" sz="1600" dirty="0"/>
-              <a:t>JavaScript</a:t>
-            </a:r>
-          </a:p>
-          <a:p>
-            <a:pPr lvl="1" indent="-419100">
-              <a:spcBef>
-                <a:spcPts val="600"/>
-              </a:spcBef>
-              <a:buSzPts val="3000"/>
-              <a:buChar char="▷"/>
-            </a:pPr>
-            <a:r>
-              <a:rPr lang="en-US" sz="1600" dirty="0"/>
-              <a:t>jQuery</a:t>
+              <a:t>JavaScript, jQuery, AJAX</a:t>
             </a:r>
           </a:p>
           <a:p>
